--- a/ppt/IBM Call For Code.pptx
+++ b/ppt/IBM Call For Code.pptx
@@ -4396,7 +4396,7 @@
           <a:p>
             <a:fld id="{48A87A34-81AB-432B-8DAE-1953F412C126}" type="datetimeFigureOut">
               <a:rPr lang="en-US" dirty="0"/>
-              <a:t>6/15/20</a:t>
+              <a:t>8/18/22</a:t>
             </a:fld>
             <a:endParaRPr lang="en-US" dirty="0"/>
           </a:p>
@@ -4658,7 +4658,7 @@
           <a:p>
             <a:fld id="{48A87A34-81AB-432B-8DAE-1953F412C126}" type="datetimeFigureOut">
               <a:rPr lang="en-US" dirty="0"/>
-              <a:t>6/15/20</a:t>
+              <a:t>8/18/22</a:t>
             </a:fld>
             <a:endParaRPr lang="en-US" dirty="0"/>
           </a:p>
@@ -4849,7 +4849,7 @@
           <a:p>
             <a:fld id="{48A87A34-81AB-432B-8DAE-1953F412C126}" type="datetimeFigureOut">
               <a:rPr lang="en-US" dirty="0"/>
-              <a:t>6/15/20</a:t>
+              <a:t>8/18/22</a:t>
             </a:fld>
             <a:endParaRPr lang="en-US" dirty="0"/>
           </a:p>
@@ -5107,7 +5107,7 @@
           <a:p>
             <a:fld id="{48A87A34-81AB-432B-8DAE-1953F412C126}" type="datetimeFigureOut">
               <a:rPr lang="en-US" dirty="0"/>
-              <a:t>6/15/20</a:t>
+              <a:t>8/18/22</a:t>
             </a:fld>
             <a:endParaRPr lang="en-US" dirty="0"/>
           </a:p>
@@ -5536,7 +5536,7 @@
           <a:p>
             <a:fld id="{48A87A34-81AB-432B-8DAE-1953F412C126}" type="datetimeFigureOut">
               <a:rPr lang="en-US" dirty="0"/>
-              <a:t>6/15/20</a:t>
+              <a:t>8/18/22</a:t>
             </a:fld>
             <a:endParaRPr lang="en-US" dirty="0"/>
           </a:p>
@@ -6077,7 +6077,7 @@
           <a:p>
             <a:fld id="{48A87A34-81AB-432B-8DAE-1953F412C126}" type="datetimeFigureOut">
               <a:rPr lang="en-US" dirty="0"/>
-              <a:t>6/15/20</a:t>
+              <a:t>8/18/22</a:t>
             </a:fld>
             <a:endParaRPr lang="en-US" dirty="0"/>
           </a:p>
@@ -6792,7 +6792,7 @@
           <a:p>
             <a:fld id="{48A87A34-81AB-432B-8DAE-1953F412C126}" type="datetimeFigureOut">
               <a:rPr lang="en-US" dirty="0"/>
-              <a:t>6/15/20</a:t>
+              <a:t>8/18/22</a:t>
             </a:fld>
             <a:endParaRPr lang="en-US" dirty="0"/>
           </a:p>
@@ -6957,7 +6957,7 @@
           <a:p>
             <a:fld id="{48A87A34-81AB-432B-8DAE-1953F412C126}" type="datetimeFigureOut">
               <a:rPr lang="en-US" dirty="0"/>
-              <a:t>6/15/20</a:t>
+              <a:t>8/18/22</a:t>
             </a:fld>
             <a:endParaRPr lang="en-US" dirty="0"/>
           </a:p>
@@ -7132,7 +7132,7 @@
           <a:p>
             <a:fld id="{48A87A34-81AB-432B-8DAE-1953F412C126}" type="datetimeFigureOut">
               <a:rPr lang="en-US" dirty="0"/>
-              <a:t>6/15/20</a:t>
+              <a:t>8/18/22</a:t>
             </a:fld>
             <a:endParaRPr lang="en-US" dirty="0"/>
           </a:p>
@@ -7297,7 +7297,7 @@
           <a:p>
             <a:fld id="{48A87A34-81AB-432B-8DAE-1953F412C126}" type="datetimeFigureOut">
               <a:rPr lang="en-US" dirty="0"/>
-              <a:t>6/15/20</a:t>
+              <a:t>8/18/22</a:t>
             </a:fld>
             <a:endParaRPr lang="en-US" dirty="0"/>
           </a:p>
@@ -7542,7 +7542,7 @@
           <a:p>
             <a:fld id="{48A87A34-81AB-432B-8DAE-1953F412C126}" type="datetimeFigureOut">
               <a:rPr lang="en-US" dirty="0"/>
-              <a:t>6/15/20</a:t>
+              <a:t>8/18/22</a:t>
             </a:fld>
             <a:endParaRPr lang="en-US" dirty="0"/>
           </a:p>
@@ -7769,7 +7769,7 @@
           <a:p>
             <a:fld id="{48A87A34-81AB-432B-8DAE-1953F412C126}" type="datetimeFigureOut">
               <a:rPr lang="en-US" dirty="0"/>
-              <a:t>6/15/20</a:t>
+              <a:t>8/18/22</a:t>
             </a:fld>
             <a:endParaRPr lang="en-US" dirty="0"/>
           </a:p>
@@ -8145,7 +8145,7 @@
           <a:p>
             <a:fld id="{48A87A34-81AB-432B-8DAE-1953F412C126}" type="datetimeFigureOut">
               <a:rPr lang="en-US" dirty="0"/>
-              <a:t>6/15/20</a:t>
+              <a:t>8/18/22</a:t>
             </a:fld>
             <a:endParaRPr lang="en-US" dirty="0"/>
           </a:p>
@@ -8258,7 +8258,7 @@
           <a:p>
             <a:fld id="{48A87A34-81AB-432B-8DAE-1953F412C126}" type="datetimeFigureOut">
               <a:rPr lang="en-US" dirty="0"/>
-              <a:t>6/15/20</a:t>
+              <a:t>8/18/22</a:t>
             </a:fld>
             <a:endParaRPr lang="en-US" dirty="0"/>
           </a:p>
@@ -8348,7 +8348,7 @@
           <a:p>
             <a:fld id="{48A87A34-81AB-432B-8DAE-1953F412C126}" type="datetimeFigureOut">
               <a:rPr lang="en-US" dirty="0"/>
-              <a:t>6/15/20</a:t>
+              <a:t>8/18/22</a:t>
             </a:fld>
             <a:endParaRPr lang="en-US" dirty="0"/>
           </a:p>
@@ -8592,7 +8592,7 @@
           <a:p>
             <a:fld id="{48A87A34-81AB-432B-8DAE-1953F412C126}" type="datetimeFigureOut">
               <a:rPr lang="en-US" dirty="0"/>
-              <a:t>6/15/20</a:t>
+              <a:t>8/18/22</a:t>
             </a:fld>
             <a:endParaRPr lang="en-US" dirty="0"/>
           </a:p>
@@ -8867,7 +8867,7 @@
           <a:p>
             <a:fld id="{48A87A34-81AB-432B-8DAE-1953F412C126}" type="datetimeFigureOut">
               <a:rPr lang="en-US" dirty="0"/>
-              <a:t>6/15/20</a:t>
+              <a:t>8/18/22</a:t>
             </a:fld>
             <a:endParaRPr lang="en-US" dirty="0"/>
           </a:p>
@@ -11940,7 +11940,7 @@
             <a:fld id="{48A87A34-81AB-432B-8DAE-1953F412C126}" type="datetimeFigureOut">
               <a:rPr lang="en-US" dirty="0"/>
               <a:pPr/>
-              <a:t>6/15/20</a:t>
+              <a:t>8/18/22</a:t>
             </a:fld>
             <a:endParaRPr lang="en-US" dirty="0"/>
           </a:p>
@@ -12544,45 +12544,6 @@
           </a:p>
         </p:txBody>
       </p:sp>
-      <p:sp>
-        <p:nvSpPr>
-          <p:cNvPr id="9" name="TextBox 8">
-            <a:extLst>
-              <a:ext uri="{FF2B5EF4-FFF2-40B4-BE49-F238E27FC236}">
-                <a16:creationId xmlns:a16="http://schemas.microsoft.com/office/drawing/2014/main" id="{3479FA67-DB4C-CB48-97C7-2805B49CE10F}"/>
-              </a:ext>
-            </a:extLst>
-          </p:cNvPr>
-          <p:cNvSpPr txBox="1"/>
-          <p:nvPr/>
-        </p:nvSpPr>
-        <p:spPr>
-          <a:xfrm>
-            <a:off x="2173857" y="5726828"/>
-            <a:ext cx="4309613" cy="584775"/>
-          </a:xfrm>
-          <a:prstGeom prst="rect">
-            <a:avLst/>
-          </a:prstGeom>
-          <a:noFill/>
-        </p:spPr>
-        <p:txBody>
-          <a:bodyPr wrap="square" rtlCol="0">
-            <a:spAutoFit/>
-          </a:bodyPr>
-          <a:lstStyle/>
-          <a:p>
-            <a:r>
-              <a:rPr lang="en-US" sz="3200" dirty="0">
-                <a:latin typeface="Verdana" panose="020B0604030504040204" pitchFamily="34" charset="0"/>
-                <a:ea typeface="Verdana" panose="020B0604030504040204" pitchFamily="34" charset="0"/>
-                <a:cs typeface="Verdana" panose="020B0604030504040204" pitchFamily="34" charset="0"/>
-              </a:rPr>
-              <a:t>+91 9910914896</a:t>
-            </a:r>
-          </a:p>
-        </p:txBody>
-      </p:sp>
     </p:spTree>
     <p:extLst>
       <p:ext uri="{BB962C8B-B14F-4D97-AF65-F5344CB8AC3E}">
